--- a/课程PPT/04.JS语法、表达式及语句.pptx
+++ b/课程PPT/04.JS语法、表达式及语句.pptx
@@ -5,23 +5,23 @@
     <p:sldMasterId id="2147483648" r:id="rId1"/>
   </p:sldMasterIdLst>
   <p:notesMasterIdLst>
-    <p:notesMasterId r:id="rId16"/>
+    <p:notesMasterId r:id="rId6"/>
   </p:notesMasterIdLst>
   <p:sldIdLst>
-    <p:sldId id="1224" r:id="rId2"/>
-    <p:sldId id="1225" r:id="rId3"/>
-    <p:sldId id="1241" r:id="rId4"/>
-    <p:sldId id="1242" r:id="rId5"/>
-    <p:sldId id="1244" r:id="rId6"/>
-    <p:sldId id="1245" r:id="rId7"/>
-    <p:sldId id="1262" r:id="rId8"/>
-    <p:sldId id="1263" r:id="rId9"/>
-    <p:sldId id="1246" r:id="rId10"/>
-    <p:sldId id="1266" r:id="rId11"/>
-    <p:sldId id="1286" r:id="rId12"/>
-    <p:sldId id="1287" r:id="rId13"/>
-    <p:sldId id="1312" r:id="rId14"/>
-    <p:sldId id="1226" r:id="rId15"/>
+    <p:sldId id="1224" r:id="rId3"/>
+    <p:sldId id="1225" r:id="rId4"/>
+    <p:sldId id="1241" r:id="rId5"/>
+    <p:sldId id="1242" r:id="rId7"/>
+    <p:sldId id="1244" r:id="rId8"/>
+    <p:sldId id="1245" r:id="rId9"/>
+    <p:sldId id="1262" r:id="rId10"/>
+    <p:sldId id="1263" r:id="rId11"/>
+    <p:sldId id="1246" r:id="rId12"/>
+    <p:sldId id="1266" r:id="rId13"/>
+    <p:sldId id="1286" r:id="rId14"/>
+    <p:sldId id="1287" r:id="rId15"/>
+    <p:sldId id="1312" r:id="rId16"/>
+    <p:sldId id="1226" r:id="rId17"/>
   </p:sldIdLst>
   <p:sldSz cx="12192000" cy="6858000"/>
   <p:notesSz cx="6797675" cy="9928225"/>
@@ -340,6 +340,7 @@
               <a:rPr lang="zh-CN" altLang="zh-CN" noProof="0" smtClean="0"/>
               <a:t>                                                   </a:t>
             </a:r>
+            <a:endParaRPr lang="zh-CN" altLang="zh-CN" noProof="0" smtClean="0"/>
           </a:p>
           <a:p>
             <a:pPr lvl="1"/>
@@ -347,6 +348,7 @@
               <a:rPr lang="zh-CN" altLang="zh-CN" noProof="0" smtClean="0"/>
               <a:t>               </a:t>
             </a:r>
+            <a:endParaRPr lang="zh-CN" altLang="zh-CN" noProof="0" smtClean="0"/>
           </a:p>
           <a:p>
             <a:pPr lvl="2"/>
@@ -354,6 +356,7 @@
               <a:rPr lang="zh-CN" altLang="zh-CN" noProof="0" smtClean="0"/>
               <a:t>                </a:t>
             </a:r>
+            <a:endParaRPr lang="zh-CN" altLang="zh-CN" noProof="0" smtClean="0"/>
           </a:p>
           <a:p>
             <a:pPr lvl="3"/>
@@ -361,6 +364,7 @@
               <a:rPr lang="zh-CN" altLang="zh-CN" noProof="0" smtClean="0"/>
               <a:t>                </a:t>
             </a:r>
+            <a:endParaRPr lang="zh-CN" altLang="zh-CN" noProof="0" smtClean="0"/>
           </a:p>
           <a:p>
             <a:pPr lvl="4"/>
@@ -368,6 +372,7 @@
               <a:rPr lang="zh-CN" altLang="zh-CN" noProof="0" smtClean="0"/>
               <a:t>                </a:t>
             </a:r>
+            <a:endParaRPr lang="zh-CN" altLang="zh-CN" noProof="0" smtClean="0"/>
           </a:p>
         </p:txBody>
       </p:sp>
@@ -450,18 +455,12 @@
           <a:p>
             <a:fld id="{D9AFD278-84AA-4CAA-9049-809825956FE0}" type="slidenum">
               <a:rPr lang="en-US" altLang="zh-CN"/>
-              <a:t>‹#›</a:t>
             </a:fld>
             <a:endParaRPr lang="zh-CN" altLang="zh-CN"/>
           </a:p>
         </p:txBody>
       </p:sp>
     </p:spTree>
-    <p:extLst>
-      <p:ext uri="{BB962C8B-B14F-4D97-AF65-F5344CB8AC3E}">
-        <p14:creationId xmlns:p14="http://schemas.microsoft.com/office/powerpoint/2010/main" val="4012979404"/>
-      </p:ext>
-    </p:extLst>
   </p:cSld>
   <p:clrMap bg1="lt1" tx1="dk1" bg2="lt2" tx2="dk2" accent1="accent1" accent2="accent2" accent3="accent3" accent4="accent4" accent5="accent5" accent6="accent6" hlink="hlink" folHlink="folHlink"/>
   <p:notesStyle>
@@ -637,6 +636,7 @@
               <a:rPr lang="zh-CN" altLang="en-US" dirty="0" smtClean="0"/>
               <a:t>脚本语言是由传统编程语言简化而来的语言，因此有很多相似之处。</a:t>
             </a:r>
+            <a:endParaRPr lang="zh-CN" altLang="en-US" dirty="0" smtClean="0"/>
           </a:p>
           <a:p>
             <a:endParaRPr lang="zh-CN" altLang="en-US" dirty="0"/>
@@ -663,7 +663,6 @@
             </a:pPr>
             <a:fld id="{50FA7BE5-9B7D-4F20-881C-9A0B90E6FF72}" type="slidenum">
               <a:rPr lang="zh-CN" altLang="zh-CN" smtClean="0"/>
-              <a:t>3</a:t>
             </a:fld>
             <a:endParaRPr lang="zh-CN" altLang="zh-CN"/>
           </a:p>
@@ -725,6 +724,7 @@
               <a:rPr lang="zh-CN" altLang="en-US" dirty="0" smtClean="0"/>
               <a:t>块作用域，去除或简单介绍</a:t>
             </a:r>
+            <a:endParaRPr lang="zh-CN" altLang="en-US" dirty="0" smtClean="0"/>
           </a:p>
           <a:p>
             <a:endParaRPr lang="zh-CN" altLang="en-US" dirty="0"/>
@@ -751,7 +751,6 @@
             </a:pPr>
             <a:fld id="{50FA7BE5-9B7D-4F20-881C-9A0B90E6FF72}" type="slidenum">
               <a:rPr lang="zh-CN" altLang="zh-CN" smtClean="0"/>
-              <a:t>4</a:t>
             </a:fld>
             <a:endParaRPr lang="zh-CN" altLang="zh-CN"/>
           </a:p>
@@ -813,6 +812,7 @@
               <a:rPr lang="zh-CN" altLang="en-US" dirty="0" smtClean="0"/>
               <a:t>脚本语言是由传统编程语言简化而来的语言，因此有很多相似之处。</a:t>
             </a:r>
+            <a:endParaRPr lang="zh-CN" altLang="en-US" dirty="0" smtClean="0"/>
           </a:p>
           <a:p>
             <a:endParaRPr lang="zh-CN" altLang="en-US" dirty="0"/>
@@ -839,7 +839,6 @@
             </a:pPr>
             <a:fld id="{50FA7BE5-9B7D-4F20-881C-9A0B90E6FF72}" type="slidenum">
               <a:rPr lang="zh-CN" altLang="zh-CN" smtClean="0"/>
-              <a:t>6</a:t>
             </a:fld>
             <a:endParaRPr lang="zh-CN" altLang="zh-CN"/>
           </a:p>
@@ -901,6 +900,7 @@
               <a:rPr lang="zh-CN" altLang="en-US" dirty="0" smtClean="0"/>
               <a:t>脚本语言是由传统编程语言简化而来的语言，因此有很多相似之处。</a:t>
             </a:r>
+            <a:endParaRPr lang="zh-CN" altLang="en-US" dirty="0" smtClean="0"/>
           </a:p>
           <a:p>
             <a:endParaRPr lang="zh-CN" altLang="en-US" dirty="0"/>
@@ -927,7 +927,6 @@
             </a:pPr>
             <a:fld id="{50FA7BE5-9B7D-4F20-881C-9A0B90E6FF72}" type="slidenum">
               <a:rPr lang="zh-CN" altLang="zh-CN" smtClean="0"/>
-              <a:t>7</a:t>
             </a:fld>
             <a:endParaRPr lang="zh-CN" altLang="zh-CN"/>
           </a:p>
@@ -1017,6 +1016,7 @@
               <a:rPr lang="en-US" altLang="zh-CN"/>
               <a:t>global</a:t>
             </a:r>
+            <a:endParaRPr lang="en-US" altLang="zh-CN"/>
           </a:p>
         </p:txBody>
       </p:sp>
@@ -1099,7 +1099,6 @@
             </a:pPr>
             <a:fld id="{50FA7BE5-9B7D-4F20-881C-9A0B90E6FF72}" type="slidenum">
               <a:rPr lang="zh-CN" altLang="zh-CN" smtClean="0"/>
-              <a:t>9</a:t>
             </a:fld>
             <a:endParaRPr lang="zh-CN" altLang="zh-CN"/>
           </a:p>
@@ -1161,6 +1160,7 @@
               <a:rPr lang="zh-CN" altLang="en-US" dirty="0" smtClean="0"/>
               <a:t>脚本语言是由传统编程语言简化而来的语言，因此有很多相似之处。</a:t>
             </a:r>
+            <a:endParaRPr lang="zh-CN" altLang="en-US" dirty="0" smtClean="0"/>
           </a:p>
           <a:p>
             <a:endParaRPr lang="zh-CN" altLang="en-US" dirty="0"/>
@@ -1187,7 +1187,6 @@
             </a:pPr>
             <a:fld id="{50FA7BE5-9B7D-4F20-881C-9A0B90E6FF72}" type="slidenum">
               <a:rPr lang="zh-CN" altLang="zh-CN" smtClean="0"/>
-              <a:t>11</a:t>
             </a:fld>
             <a:endParaRPr lang="zh-CN" altLang="zh-CN"/>
           </a:p>
@@ -1249,6 +1248,7 @@
               <a:rPr lang="zh-CN" altLang="en-US" dirty="0" smtClean="0"/>
               <a:t>脚本语言是由传统编程语言简化而来的语言，因此有很多相似之处。</a:t>
             </a:r>
+            <a:endParaRPr lang="zh-CN" altLang="en-US" dirty="0" smtClean="0"/>
           </a:p>
           <a:p>
             <a:endParaRPr lang="zh-CN" altLang="en-US" dirty="0"/>
@@ -1275,7 +1275,6 @@
             </a:pPr>
             <a:fld id="{50FA7BE5-9B7D-4F20-881C-9A0B90E6FF72}" type="slidenum">
               <a:rPr lang="zh-CN" altLang="zh-CN" smtClean="0"/>
-              <a:t>12</a:t>
             </a:fld>
             <a:endParaRPr lang="zh-CN" altLang="zh-CN"/>
           </a:p>
@@ -1337,6 +1336,7 @@
               <a:rPr lang="zh-CN" altLang="en-US" dirty="0" smtClean="0"/>
               <a:t>脚本语言是由传统编程语言简化而来的语言，因此有很多相似之处。</a:t>
             </a:r>
+            <a:endParaRPr lang="zh-CN" altLang="en-US" dirty="0" smtClean="0"/>
           </a:p>
           <a:p>
             <a:endParaRPr lang="zh-CN" altLang="en-US" dirty="0"/>
@@ -1363,7 +1363,6 @@
             </a:pPr>
             <a:fld id="{50FA7BE5-9B7D-4F20-881C-9A0B90E6FF72}" type="slidenum">
               <a:rPr lang="zh-CN" altLang="zh-CN" smtClean="0"/>
-              <a:t>13</a:t>
             </a:fld>
             <a:endParaRPr lang="zh-CN" altLang="zh-CN"/>
           </a:p>
@@ -1447,6 +1446,7 @@
               <a:rPr lang="zh-CN" altLang="en-US" dirty="0" smtClean="0"/>
               <a:t>单击此处编辑母版文本样式</a:t>
             </a:r>
+            <a:endParaRPr lang="zh-CN" altLang="en-US" dirty="0" smtClean="0"/>
           </a:p>
           <a:p>
             <a:pPr lvl="1"/>
@@ -1454,6 +1454,7 @@
               <a:rPr lang="zh-CN" altLang="en-US" dirty="0" smtClean="0"/>
               <a:t>第二级</a:t>
             </a:r>
+            <a:endParaRPr lang="zh-CN" altLang="en-US" dirty="0" smtClean="0"/>
           </a:p>
           <a:p>
             <a:pPr lvl="2"/>
@@ -1461,6 +1462,7 @@
               <a:rPr lang="zh-CN" altLang="en-US" dirty="0" smtClean="0"/>
               <a:t>第三级</a:t>
             </a:r>
+            <a:endParaRPr lang="zh-CN" altLang="en-US" dirty="0" smtClean="0"/>
           </a:p>
           <a:p>
             <a:pPr lvl="3"/>
@@ -1468,6 +1470,7 @@
               <a:rPr lang="zh-CN" altLang="en-US" dirty="0" smtClean="0"/>
               <a:t>第四级</a:t>
             </a:r>
+            <a:endParaRPr lang="zh-CN" altLang="en-US" dirty="0" smtClean="0"/>
           </a:p>
         </p:txBody>
       </p:sp>
@@ -1529,6 +1532,7 @@
               <a:rPr lang="zh-CN" altLang="en-US" dirty="0" smtClean="0"/>
               <a:t>单击此处编辑母版文本样式</a:t>
             </a:r>
+            <a:endParaRPr lang="zh-CN" altLang="en-US" dirty="0" smtClean="0"/>
           </a:p>
         </p:txBody>
       </p:sp>
@@ -1585,7 +1589,6 @@
           <a:p>
             <a:fld id="{2030C94F-1E7C-47E3-9C60-176A530B03BF}" type="slidenum">
               <a:rPr lang="en-US" altLang="zh-CN"/>
-              <a:t>‹#›</a:t>
             </a:fld>
             <a:endParaRPr lang="zh-CN" altLang="zh-CN" sz="3200" b="0"/>
           </a:p>
@@ -1676,6 +1679,7 @@
               <a:rPr lang="zh-CN" altLang="en-US" dirty="0" smtClean="0"/>
               <a:t>单击此处编辑母版文本样式</a:t>
             </a:r>
+            <a:endParaRPr lang="zh-CN" altLang="en-US" dirty="0" smtClean="0"/>
           </a:p>
           <a:p>
             <a:pPr lvl="1"/>
@@ -1683,6 +1687,7 @@
               <a:rPr lang="zh-CN" altLang="en-US" dirty="0" smtClean="0"/>
               <a:t>第二级</a:t>
             </a:r>
+            <a:endParaRPr lang="zh-CN" altLang="en-US" dirty="0" smtClean="0"/>
           </a:p>
           <a:p>
             <a:pPr lvl="2"/>
@@ -1690,6 +1695,7 @@
               <a:rPr lang="zh-CN" altLang="en-US" dirty="0" smtClean="0"/>
               <a:t>第三级</a:t>
             </a:r>
+            <a:endParaRPr lang="zh-CN" altLang="en-US" dirty="0" smtClean="0"/>
           </a:p>
           <a:p>
             <a:pPr lvl="3"/>
@@ -1697,6 +1703,7 @@
               <a:rPr lang="zh-CN" altLang="en-US" dirty="0" smtClean="0"/>
               <a:t>第四级</a:t>
             </a:r>
+            <a:endParaRPr lang="zh-CN" altLang="en-US" dirty="0" smtClean="0"/>
           </a:p>
         </p:txBody>
       </p:sp>
@@ -1754,6 +1761,7 @@
               <a:rPr lang="zh-CN" altLang="en-US" dirty="0" smtClean="0"/>
               <a:t>单击此处编辑母版文本样式</a:t>
             </a:r>
+            <a:endParaRPr lang="zh-CN" altLang="en-US" dirty="0" smtClean="0"/>
           </a:p>
         </p:txBody>
       </p:sp>
@@ -1835,6 +1843,7 @@
               <a:rPr lang="zh-CN" altLang="en-US" dirty="0" smtClean="0"/>
               <a:t>单击此处编辑母版文本样式</a:t>
             </a:r>
+            <a:endParaRPr lang="zh-CN" altLang="en-US" dirty="0" smtClean="0"/>
           </a:p>
           <a:p>
             <a:pPr lvl="1"/>
@@ -1842,6 +1851,7 @@
               <a:rPr lang="zh-CN" altLang="en-US" dirty="0" smtClean="0"/>
               <a:t>第二级</a:t>
             </a:r>
+            <a:endParaRPr lang="zh-CN" altLang="en-US" dirty="0" smtClean="0"/>
           </a:p>
           <a:p>
             <a:pPr lvl="2"/>
@@ -1849,6 +1859,7 @@
               <a:rPr lang="zh-CN" altLang="en-US" dirty="0" smtClean="0"/>
               <a:t>第三级</a:t>
             </a:r>
+            <a:endParaRPr lang="zh-CN" altLang="en-US" dirty="0" smtClean="0"/>
           </a:p>
           <a:p>
             <a:pPr lvl="3"/>
@@ -1856,6 +1867,7 @@
               <a:rPr lang="zh-CN" altLang="en-US" dirty="0" smtClean="0"/>
               <a:t>第四级</a:t>
             </a:r>
+            <a:endParaRPr lang="zh-CN" altLang="en-US" dirty="0" smtClean="0"/>
           </a:p>
         </p:txBody>
       </p:sp>
@@ -1913,6 +1925,7 @@
               <a:rPr lang="zh-CN" altLang="en-US" dirty="0" smtClean="0"/>
               <a:t>单击此处编辑母版文本样式</a:t>
             </a:r>
+            <a:endParaRPr lang="zh-CN" altLang="en-US" dirty="0" smtClean="0"/>
           </a:p>
         </p:txBody>
       </p:sp>
@@ -1994,6 +2007,7 @@
               <a:rPr lang="zh-CN" altLang="en-US" dirty="0" smtClean="0"/>
               <a:t>单击此处编辑母版文本样式</a:t>
             </a:r>
+            <a:endParaRPr lang="zh-CN" altLang="en-US" dirty="0" smtClean="0"/>
           </a:p>
           <a:p>
             <a:pPr lvl="1"/>
@@ -2001,6 +2015,7 @@
               <a:rPr lang="zh-CN" altLang="en-US" dirty="0" smtClean="0"/>
               <a:t>第二级</a:t>
             </a:r>
+            <a:endParaRPr lang="zh-CN" altLang="en-US" dirty="0" smtClean="0"/>
           </a:p>
           <a:p>
             <a:pPr lvl="2"/>
@@ -2008,6 +2023,7 @@
               <a:rPr lang="zh-CN" altLang="en-US" dirty="0" smtClean="0"/>
               <a:t>第三级</a:t>
             </a:r>
+            <a:endParaRPr lang="zh-CN" altLang="en-US" dirty="0" smtClean="0"/>
           </a:p>
           <a:p>
             <a:pPr lvl="3"/>
@@ -2015,6 +2031,7 @@
               <a:rPr lang="zh-CN" altLang="en-US" dirty="0" smtClean="0"/>
               <a:t>第四级</a:t>
             </a:r>
+            <a:endParaRPr lang="zh-CN" altLang="en-US" dirty="0" smtClean="0"/>
           </a:p>
         </p:txBody>
       </p:sp>
@@ -2072,6 +2089,7 @@
               <a:rPr lang="zh-CN" altLang="en-US" dirty="0" smtClean="0"/>
               <a:t>单击此处编辑母版文本样式</a:t>
             </a:r>
+            <a:endParaRPr lang="zh-CN" altLang="en-US" dirty="0" smtClean="0"/>
           </a:p>
         </p:txBody>
       </p:sp>
@@ -2153,6 +2171,7 @@
               <a:rPr lang="zh-CN" altLang="en-US" dirty="0" smtClean="0"/>
               <a:t>单击此处编辑母版文本样式</a:t>
             </a:r>
+            <a:endParaRPr lang="zh-CN" altLang="en-US" dirty="0" smtClean="0"/>
           </a:p>
           <a:p>
             <a:pPr lvl="1"/>
@@ -2160,6 +2179,7 @@
               <a:rPr lang="zh-CN" altLang="en-US" dirty="0" smtClean="0"/>
               <a:t>第二级</a:t>
             </a:r>
+            <a:endParaRPr lang="zh-CN" altLang="en-US" dirty="0" smtClean="0"/>
           </a:p>
           <a:p>
             <a:pPr lvl="2"/>
@@ -2167,6 +2187,7 @@
               <a:rPr lang="zh-CN" altLang="en-US" dirty="0" smtClean="0"/>
               <a:t>第三级</a:t>
             </a:r>
+            <a:endParaRPr lang="zh-CN" altLang="en-US" dirty="0" smtClean="0"/>
           </a:p>
           <a:p>
             <a:pPr lvl="3"/>
@@ -2174,6 +2195,7 @@
               <a:rPr lang="zh-CN" altLang="en-US" dirty="0" smtClean="0"/>
               <a:t>第四级</a:t>
             </a:r>
+            <a:endParaRPr lang="zh-CN" altLang="en-US" dirty="0" smtClean="0"/>
           </a:p>
         </p:txBody>
       </p:sp>
@@ -2231,6 +2253,7 @@
               <a:rPr lang="zh-CN" altLang="en-US" dirty="0" smtClean="0"/>
               <a:t>单击此处编辑母版文本样式</a:t>
             </a:r>
+            <a:endParaRPr lang="zh-CN" altLang="en-US" dirty="0" smtClean="0"/>
           </a:p>
         </p:txBody>
       </p:sp>
@@ -2312,6 +2335,7 @@
               <a:rPr lang="zh-CN" altLang="en-US" dirty="0" smtClean="0"/>
               <a:t>单击此处编辑母版文本样式</a:t>
             </a:r>
+            <a:endParaRPr lang="zh-CN" altLang="en-US" dirty="0" smtClean="0"/>
           </a:p>
           <a:p>
             <a:pPr lvl="1"/>
@@ -2319,6 +2343,7 @@
               <a:rPr lang="zh-CN" altLang="en-US" dirty="0" smtClean="0"/>
               <a:t>第二级</a:t>
             </a:r>
+            <a:endParaRPr lang="zh-CN" altLang="en-US" dirty="0" smtClean="0"/>
           </a:p>
           <a:p>
             <a:pPr lvl="2"/>
@@ -2326,6 +2351,7 @@
               <a:rPr lang="zh-CN" altLang="en-US" dirty="0" smtClean="0"/>
               <a:t>第三级</a:t>
             </a:r>
+            <a:endParaRPr lang="zh-CN" altLang="en-US" dirty="0" smtClean="0"/>
           </a:p>
           <a:p>
             <a:pPr lvl="3"/>
@@ -2333,6 +2359,7 @@
               <a:rPr lang="zh-CN" altLang="en-US" dirty="0" smtClean="0"/>
               <a:t>第四级</a:t>
             </a:r>
+            <a:endParaRPr lang="zh-CN" altLang="en-US" dirty="0" smtClean="0"/>
           </a:p>
         </p:txBody>
       </p:sp>
@@ -2390,6 +2417,7 @@
               <a:rPr lang="zh-CN" altLang="en-US" dirty="0" smtClean="0"/>
               <a:t>单击此处编辑母版文本样式</a:t>
             </a:r>
+            <a:endParaRPr lang="zh-CN" altLang="en-US" dirty="0" smtClean="0"/>
           </a:p>
         </p:txBody>
       </p:sp>
@@ -2471,6 +2499,7 @@
               <a:rPr lang="zh-CN" altLang="en-US" dirty="0" smtClean="0"/>
               <a:t>单击此处编辑母版文本样式</a:t>
             </a:r>
+            <a:endParaRPr lang="zh-CN" altLang="en-US" dirty="0" smtClean="0"/>
           </a:p>
           <a:p>
             <a:pPr lvl="1"/>
@@ -2478,6 +2507,7 @@
               <a:rPr lang="zh-CN" altLang="en-US" dirty="0" smtClean="0"/>
               <a:t>第二级</a:t>
             </a:r>
+            <a:endParaRPr lang="zh-CN" altLang="en-US" dirty="0" smtClean="0"/>
           </a:p>
           <a:p>
             <a:pPr lvl="2"/>
@@ -2485,6 +2515,7 @@
               <a:rPr lang="zh-CN" altLang="en-US" dirty="0" smtClean="0"/>
               <a:t>第三级</a:t>
             </a:r>
+            <a:endParaRPr lang="zh-CN" altLang="en-US" dirty="0" smtClean="0"/>
           </a:p>
           <a:p>
             <a:pPr lvl="3"/>
@@ -2492,6 +2523,7 @@
               <a:rPr lang="zh-CN" altLang="en-US" dirty="0" smtClean="0"/>
               <a:t>第四级</a:t>
             </a:r>
+            <a:endParaRPr lang="zh-CN" altLang="en-US" dirty="0" smtClean="0"/>
           </a:p>
         </p:txBody>
       </p:sp>
@@ -2549,6 +2581,7 @@
               <a:rPr lang="zh-CN" altLang="en-US" dirty="0" smtClean="0"/>
               <a:t>单击此处编辑母版文本样式</a:t>
             </a:r>
+            <a:endParaRPr lang="zh-CN" altLang="en-US" dirty="0" smtClean="0"/>
           </a:p>
         </p:txBody>
       </p:sp>
@@ -2630,6 +2663,7 @@
               <a:rPr lang="zh-CN" altLang="en-US" dirty="0" smtClean="0"/>
               <a:t>单击此处编辑母版文本样式</a:t>
             </a:r>
+            <a:endParaRPr lang="zh-CN" altLang="en-US" dirty="0" smtClean="0"/>
           </a:p>
           <a:p>
             <a:pPr lvl="1"/>
@@ -2637,6 +2671,7 @@
               <a:rPr lang="zh-CN" altLang="en-US" dirty="0" smtClean="0"/>
               <a:t>第二级</a:t>
             </a:r>
+            <a:endParaRPr lang="zh-CN" altLang="en-US" dirty="0" smtClean="0"/>
           </a:p>
           <a:p>
             <a:pPr lvl="2"/>
@@ -2644,6 +2679,7 @@
               <a:rPr lang="zh-CN" altLang="en-US" dirty="0" smtClean="0"/>
               <a:t>第三级</a:t>
             </a:r>
+            <a:endParaRPr lang="zh-CN" altLang="en-US" dirty="0" smtClean="0"/>
           </a:p>
           <a:p>
             <a:pPr lvl="3"/>
@@ -2651,6 +2687,7 @@
               <a:rPr lang="zh-CN" altLang="en-US" dirty="0" smtClean="0"/>
               <a:t>第四级</a:t>
             </a:r>
+            <a:endParaRPr lang="zh-CN" altLang="en-US" dirty="0" smtClean="0"/>
           </a:p>
         </p:txBody>
       </p:sp>
@@ -2712,6 +2749,7 @@
               <a:rPr lang="zh-CN" altLang="en-US" dirty="0" smtClean="0"/>
               <a:t>单击此处编辑母版文本样式</a:t>
             </a:r>
+            <a:endParaRPr lang="zh-CN" altLang="en-US" dirty="0" smtClean="0"/>
           </a:p>
         </p:txBody>
       </p:sp>
@@ -2729,7 +2767,7 @@
     <p:bg bwMode="auto">
       <p:bgPr>
         <a:blipFill dpi="0" rotWithShape="0">
-          <a:blip r:embed="rId11"/>
+          <a:blip r:embed="rId10"/>
           <a:srcRect/>
           <a:stretch>
             <a:fillRect/>
@@ -2788,7 +2826,6 @@
           <a:p>
             <a:fld id="{43A45880-9E2A-43E4-955C-AEB11E14255E}" type="slidenum">
               <a:rPr lang="en-US" altLang="zh-CN"/>
-              <a:t>‹#›</a:t>
             </a:fld>
             <a:endParaRPr lang="zh-CN" altLang="zh-CN"/>
           </a:p>
@@ -2803,7 +2840,7 @@
           <p:nvPr/>
         </p:nvPicPr>
         <p:blipFill>
-          <a:blip r:embed="rId12">
+          <a:blip r:embed="rId11">
             <a:extLst>
               <a:ext uri="{28A0092B-C50C-407E-A947-70E740481C1C}">
                 <a14:useLocalDpi xmlns:a14="http://schemas.microsoft.com/office/drawing/2010/main" val="0"/>
@@ -2857,7 +2894,7 @@
           <p:nvPr/>
         </p:nvPicPr>
         <p:blipFill>
-          <a:blip r:embed="rId13">
+          <a:blip r:embed="rId12">
             <a:extLst>
               <a:ext uri="{28A0092B-C50C-407E-A947-70E740481C1C}">
                 <a14:useLocalDpi xmlns:a14="http://schemas.microsoft.com/office/drawing/2010/main" val="0"/>
@@ -3370,7 +3407,7 @@
           <p:nvPr/>
         </p:nvPicPr>
         <p:blipFill>
-          <a:blip r:embed="rId2">
+          <a:blip r:embed="rId1">
             <a:extLst>
               <a:ext uri="{28A0092B-C50C-407E-A947-70E740481C1C}">
                 <a14:useLocalDpi xmlns:a14="http://schemas.microsoft.com/office/drawing/2010/main" val="0"/>
@@ -3485,7 +3522,7 @@
         </p:nvSpPr>
         <p:spPr bwMode="auto">
           <a:xfrm>
-            <a:off x="5381626" y="4143375"/>
+            <a:off x="5381626" y="4286885"/>
             <a:ext cx="5286375" cy="583565"/>
           </a:xfrm>
           <a:prstGeom prst="rect">
@@ -3669,7 +3706,7 @@
           <p:nvPr/>
         </p:nvPicPr>
         <p:blipFill>
-          <a:blip r:embed="rId3">
+          <a:blip r:embed="rId2">
             <a:extLst>
               <a:ext uri="{28A0092B-C50C-407E-A947-70E740481C1C}">
                 <a14:useLocalDpi xmlns:a14="http://schemas.microsoft.com/office/drawing/2010/main" val="0"/>
@@ -3714,136 +3751,6 @@
           </a:extLst>
         </p:spPr>
       </p:pic>
-      <p:sp>
-        <p:nvSpPr>
-          <p:cNvPr id="8" name="文本框 7"/>
-          <p:cNvSpPr txBox="1"/>
-          <p:nvPr/>
-        </p:nvSpPr>
-        <p:spPr>
-          <a:xfrm>
-            <a:off x="3984625" y="4942205"/>
-            <a:ext cx="7686040" cy="429895"/>
-          </a:xfrm>
-          <a:prstGeom prst="rect">
-            <a:avLst/>
-          </a:prstGeom>
-          <a:noFill/>
-        </p:spPr>
-        <p:txBody>
-          <a:bodyPr wrap="square" rtlCol="0">
-            <a:spAutoFit/>
-          </a:bodyPr>
-          <a:lstStyle/>
-          <a:p>
-            <a:pPr algn="ctr"/>
-            <a:r>
-              <a:rPr lang="zh-CN" altLang="en-US" sz="2200">
-                <a:solidFill>
-                  <a:srgbClr val="FF0000"/>
-                </a:solidFill>
-              </a:rPr>
-              <a:t>参见《深入理解</a:t>
-            </a:r>
-            <a:r>
-              <a:rPr lang="en-US" altLang="zh-CN" sz="2200">
-                <a:solidFill>
-                  <a:srgbClr val="FF0000"/>
-                </a:solidFill>
-              </a:rPr>
-              <a:t>JS</a:t>
-            </a:r>
-            <a:r>
-              <a:rPr lang="zh-CN" altLang="en-US" sz="2200">
-                <a:solidFill>
-                  <a:srgbClr val="FF0000"/>
-                </a:solidFill>
-              </a:rPr>
-              <a:t>》第</a:t>
-            </a:r>
-            <a:r>
-              <a:rPr lang="en-US" altLang="zh-CN" sz="2200">
-                <a:solidFill>
-                  <a:srgbClr val="FF0000"/>
-                </a:solidFill>
-              </a:rPr>
-              <a:t>7</a:t>
-            </a:r>
-            <a:r>
-              <a:rPr lang="zh-CN" altLang="en-US" sz="2200">
-                <a:solidFill>
-                  <a:srgbClr val="FF0000"/>
-                </a:solidFill>
-              </a:rPr>
-              <a:t>、</a:t>
-            </a:r>
-            <a:r>
-              <a:rPr lang="en-US" altLang="zh-CN" sz="2200">
-                <a:solidFill>
-                  <a:srgbClr val="FF0000"/>
-                </a:solidFill>
-              </a:rPr>
-              <a:t>13</a:t>
-            </a:r>
-            <a:r>
-              <a:rPr lang="zh-CN" altLang="en-US" sz="2200">
-                <a:solidFill>
-                  <a:srgbClr val="FF0000"/>
-                </a:solidFill>
-              </a:rPr>
-              <a:t>章、《</a:t>
-            </a:r>
-            <a:r>
-              <a:rPr lang="en-US" altLang="zh-CN" sz="2200">
-                <a:solidFill>
-                  <a:srgbClr val="FF0000"/>
-                </a:solidFill>
-              </a:rPr>
-              <a:t>JS</a:t>
-            </a:r>
-            <a:r>
-              <a:rPr lang="zh-CN" altLang="en-US" sz="2200">
-                <a:solidFill>
-                  <a:srgbClr val="FF0000"/>
-                </a:solidFill>
-              </a:rPr>
-              <a:t>权威指南》第</a:t>
-            </a:r>
-            <a:r>
-              <a:rPr lang="en-US" altLang="zh-CN" sz="2200">
-                <a:solidFill>
-                  <a:srgbClr val="FF0000"/>
-                </a:solidFill>
-              </a:rPr>
-              <a:t>4</a:t>
-            </a:r>
-            <a:r>
-              <a:rPr lang="zh-CN" altLang="en-US" sz="2200">
-                <a:solidFill>
-                  <a:srgbClr val="FF0000"/>
-                </a:solidFill>
-              </a:rPr>
-              <a:t>、</a:t>
-            </a:r>
-            <a:r>
-              <a:rPr lang="en-US" altLang="zh-CN" sz="2200">
-                <a:solidFill>
-                  <a:srgbClr val="FF0000"/>
-                </a:solidFill>
-              </a:rPr>
-              <a:t>5</a:t>
-            </a:r>
-            <a:r>
-              <a:rPr lang="zh-CN" altLang="en-US" sz="2200">
-                <a:solidFill>
-                  <a:srgbClr val="FF0000"/>
-                </a:solidFill>
-              </a:rPr>
-              <a:t>章</a:t>
-            </a:r>
-          </a:p>
-        </p:txBody>
-      </p:sp>
     </p:spTree>
   </p:cSld>
   <p:clrMapOvr>
@@ -4057,6 +3964,12 @@
               </a:rPr>
               <a:t>语法、表达式及语句综述</a:t>
             </a:r>
+            <a:endParaRPr lang="zh-CN" altLang="en-US" sz="2800" b="1">
+              <a:solidFill>
+                <a:schemeClr val="tx1"/>
+              </a:solidFill>
+              <a:sym typeface="+mn-ea"/>
+            </a:endParaRPr>
           </a:p>
           <a:p>
             <a:pPr algn="l">
@@ -4091,6 +4004,11 @@
               </a:rPr>
               <a:t>严格模式</a:t>
             </a:r>
+            <a:endParaRPr lang="zh-CN" altLang="en-US" sz="2800" b="1">
+              <a:solidFill>
+                <a:schemeClr val="tx1"/>
+              </a:solidFill>
+            </a:endParaRPr>
           </a:p>
           <a:p>
             <a:pPr algn="l">
@@ -4133,6 +4051,11 @@
               </a:rPr>
               <a:t>for...in</a:t>
             </a:r>
+            <a:endParaRPr lang="en-US" altLang="zh-CN" sz="2800" b="1">
+              <a:solidFill>
+                <a:srgbClr val="FF0000"/>
+              </a:solidFill>
+            </a:endParaRPr>
           </a:p>
         </p:txBody>
       </p:sp>
@@ -4429,15 +4352,6 @@
               </a:rPr>
               <a:t>case</a:t>
             </a:r>
-            <a:r>
-              <a:rPr lang="zh-CN" sz="3200" dirty="0">
-                <a:solidFill>
-                  <a:schemeClr val="tx1"/>
-                </a:solidFill>
-                <a:sym typeface="+mn-ea"/>
-              </a:rPr>
-              <a:t/>
-            </a:r>
             <a:br>
               <a:rPr lang="zh-CN" sz="3200" dirty="0">
                 <a:solidFill>
@@ -4526,6 +4440,12 @@
               </a:rPr>
               <a:t>）</a:t>
             </a:r>
+            <a:endParaRPr lang="zh-CN" altLang="en-US" sz="2000" dirty="0">
+              <a:solidFill>
+                <a:schemeClr val="tx1"/>
+              </a:solidFill>
+              <a:sym typeface="+mn-ea"/>
+            </a:endParaRPr>
           </a:p>
           <a:p>
             <a:pPr marL="0" indent="0">
@@ -4534,15 +4454,6 @@
               </a:lnSpc>
               <a:buNone/>
             </a:pPr>
-            <a:r>
-              <a:rPr lang="zh-CN" altLang="en-US" sz="3200" dirty="0">
-                <a:solidFill>
-                  <a:schemeClr val="tx1"/>
-                </a:solidFill>
-                <a:sym typeface="+mn-ea"/>
-              </a:rPr>
-              <a:t/>
-            </a:r>
             <a:br>
               <a:rPr lang="zh-CN" altLang="en-US" sz="3200" dirty="0">
                 <a:solidFill>
@@ -4630,6 +4541,9 @@
               </a:rPr>
               <a:t>详解</a:t>
             </a:r>
+            <a:endParaRPr lang="zh-CN" altLang="en-US" dirty="0" smtClean="0">
+              <a:sym typeface="+mn-ea"/>
+            </a:endParaRPr>
           </a:p>
         </p:txBody>
       </p:sp>
@@ -4686,6 +4600,13 @@
               </a:rPr>
               <a:t>与数据类型案例 回顾数据类型</a:t>
             </a:r>
+            <a:endParaRPr lang="zh-CN" altLang="en-US" sz="2200">
+              <a:solidFill>
+                <a:srgbClr val="FF0000"/>
+              </a:solidFill>
+              <a:latin typeface="+mn-ea"/>
+              <a:ea typeface="+mn-ea"/>
+            </a:endParaRPr>
           </a:p>
         </p:txBody>
       </p:sp>
@@ -4698,7 +4619,7 @@
           <p:nvPr/>
         </p:nvPicPr>
         <p:blipFill>
-          <a:blip r:embed="rId3"/>
+          <a:blip r:embed="rId1"/>
           <a:stretch>
             <a:fillRect/>
           </a:stretch>
@@ -4722,7 +4643,7 @@
           <p:nvPr/>
         </p:nvPicPr>
         <p:blipFill>
-          <a:blip r:embed="rId4"/>
+          <a:blip r:embed="rId2"/>
           <a:srcRect b="14223"/>
           <a:stretch>
             <a:fillRect/>
@@ -4747,7 +4668,7 @@
           <p:nvPr/>
         </p:nvPicPr>
         <p:blipFill>
-          <a:blip r:embed="rId4"/>
+          <a:blip r:embed="rId2"/>
           <a:srcRect t="85903"/>
           <a:stretch>
             <a:fillRect/>
@@ -5336,15 +5257,6 @@
               </a:lnSpc>
               <a:buNone/>
             </a:pPr>
-            <a:r>
-              <a:rPr lang="zh-CN" altLang="en-US" sz="3200" dirty="0">
-                <a:solidFill>
-                  <a:schemeClr val="tx1"/>
-                </a:solidFill>
-                <a:sym typeface="+mn-ea"/>
-              </a:rPr>
-              <a:t/>
-            </a:r>
             <a:br>
               <a:rPr lang="zh-CN" altLang="en-US" sz="3200" dirty="0">
                 <a:solidFill>
@@ -5432,6 +5344,9 @@
               </a:rPr>
               <a:t>详解</a:t>
             </a:r>
+            <a:endParaRPr lang="zh-CN" altLang="en-US" dirty="0" smtClean="0">
+              <a:sym typeface="+mn-ea"/>
+            </a:endParaRPr>
           </a:p>
         </p:txBody>
       </p:sp>
@@ -5488,6 +5403,13 @@
               </a:rPr>
               <a:t>贯穿案例</a:t>
             </a:r>
+            <a:endParaRPr lang="zh-CN" altLang="en-US" sz="2200">
+              <a:solidFill>
+                <a:srgbClr val="FF0000"/>
+              </a:solidFill>
+              <a:latin typeface="+mn-ea"/>
+              <a:ea typeface="+mn-ea"/>
+            </a:endParaRPr>
           </a:p>
         </p:txBody>
       </p:sp>
@@ -5500,7 +5422,7 @@
           <p:nvPr/>
         </p:nvPicPr>
         <p:blipFill>
-          <a:blip r:embed="rId3"/>
+          <a:blip r:embed="rId1"/>
           <a:stretch>
             <a:fillRect/>
           </a:stretch>
@@ -5628,6 +5550,13 @@
               </a:rPr>
               <a:t>结束为止</a:t>
             </a:r>
+            <a:endParaRPr lang="zh-CN" altLang="en-US" sz="2200">
+              <a:solidFill>
+                <a:schemeClr val="accent3"/>
+              </a:solidFill>
+              <a:latin typeface="+mn-ea"/>
+              <a:ea typeface="+mn-ea"/>
+            </a:endParaRPr>
           </a:p>
           <a:p>
             <a:pPr algn="l"/>
@@ -5651,6 +5580,13 @@
               </a:rPr>
               <a:t>利用switch的穿透性:求某月某日是一年中的第几天</a:t>
             </a:r>
+            <a:endParaRPr lang="en-US" altLang="zh-CN" sz="2200">
+              <a:solidFill>
+                <a:schemeClr val="tx1"/>
+              </a:solidFill>
+              <a:latin typeface="+mn-ea"/>
+              <a:ea typeface="+mn-ea"/>
+            </a:endParaRPr>
           </a:p>
         </p:txBody>
       </p:sp>
@@ -6011,6 +5947,12 @@
               </a:rPr>
               <a:t>常用来遍历对象</a:t>
             </a:r>
+            <a:endParaRPr lang="zh-CN" altLang="en-US" sz="3200" dirty="0">
+              <a:solidFill>
+                <a:schemeClr val="tx1"/>
+              </a:solidFill>
+              <a:sym typeface="+mn-ea"/>
+            </a:endParaRPr>
           </a:p>
           <a:p>
             <a:pPr marL="0" indent="0">
@@ -6019,15 +5961,6 @@
               </a:lnSpc>
               <a:buNone/>
             </a:pPr>
-            <a:r>
-              <a:rPr lang="zh-CN" altLang="en-US" dirty="0">
-                <a:solidFill>
-                  <a:schemeClr val="tx1"/>
-                </a:solidFill>
-                <a:sym typeface="+mn-ea"/>
-              </a:rPr>
-              <a:t/>
-            </a:r>
             <a:br>
               <a:rPr lang="zh-CN" altLang="en-US" dirty="0">
                 <a:solidFill>
@@ -6036,15 +5969,6 @@
                 <a:sym typeface="+mn-ea"/>
               </a:rPr>
             </a:br>
-            <a:r>
-              <a:rPr lang="zh-CN" altLang="en-US" dirty="0">
-                <a:solidFill>
-                  <a:schemeClr val="tx1"/>
-                </a:solidFill>
-                <a:sym typeface="+mn-ea"/>
-              </a:rPr>
-              <a:t/>
-            </a:r>
             <a:br>
               <a:rPr lang="zh-CN" altLang="en-US" dirty="0">
                 <a:solidFill>
@@ -6084,6 +6008,12 @@
               </a:rPr>
               <a:t>遍历数组（忽略空缺）</a:t>
             </a:r>
+            <a:endParaRPr lang="zh-CN" altLang="en-US" sz="3200" dirty="0">
+              <a:solidFill>
+                <a:schemeClr val="tx1"/>
+              </a:solidFill>
+              <a:sym typeface="+mn-ea"/>
+            </a:endParaRPr>
           </a:p>
           <a:p>
             <a:pPr marL="0" indent="0">
@@ -6092,15 +6022,6 @@
               </a:lnSpc>
               <a:buNone/>
             </a:pPr>
-            <a:r>
-              <a:rPr lang="zh-CN" altLang="en-US" sz="3200" dirty="0">
-                <a:solidFill>
-                  <a:schemeClr val="tx1"/>
-                </a:solidFill>
-                <a:sym typeface="+mn-ea"/>
-              </a:rPr>
-              <a:t/>
-            </a:r>
             <a:br>
               <a:rPr lang="zh-CN" altLang="en-US" sz="3200" dirty="0">
                 <a:solidFill>
@@ -6182,6 +6103,9 @@
               </a:rPr>
               <a:t>for...in</a:t>
             </a:r>
+            <a:endParaRPr lang="en-US" dirty="0" smtClean="0">
+              <a:sym typeface="+mn-ea"/>
+            </a:endParaRPr>
           </a:p>
         </p:txBody>
       </p:sp>
@@ -6238,6 +6162,13 @@
               </a:rPr>
               <a:t>案例</a:t>
             </a:r>
+            <a:endParaRPr lang="zh-CN" altLang="en-US" sz="2200">
+              <a:solidFill>
+                <a:srgbClr val="FF0000"/>
+              </a:solidFill>
+              <a:latin typeface="+mn-ea"/>
+              <a:ea typeface="+mn-ea"/>
+            </a:endParaRPr>
           </a:p>
         </p:txBody>
       </p:sp>
@@ -6250,7 +6181,7 @@
           <p:nvPr/>
         </p:nvPicPr>
         <p:blipFill>
-          <a:blip r:embed="rId3"/>
+          <a:blip r:embed="rId1"/>
           <a:stretch>
             <a:fillRect/>
           </a:stretch>
@@ -6274,7 +6205,7 @@
           <p:nvPr/>
         </p:nvPicPr>
         <p:blipFill>
-          <a:blip r:embed="rId4"/>
+          <a:blip r:embed="rId2"/>
           <a:stretch>
             <a:fillRect/>
           </a:stretch>
@@ -6817,7 +6748,7 @@
           <p:nvPr/>
         </p:nvPicPr>
         <p:blipFill>
-          <a:blip r:embed="rId2" cstate="print">
+          <a:blip r:embed="rId1" cstate="print">
             <a:extLst>
               <a:ext uri="{28A0092B-C50C-407E-A947-70E740481C1C}">
                 <a14:useLocalDpi xmlns:a14="http://schemas.microsoft.com/office/drawing/2010/main" val="0"/>
@@ -6912,7 +6843,7 @@
                   <a:schemeClr val="tx2"/>
                 </a:solidFill>
               </a:rPr>
-              <a:t>Have a</a:t>
+              <a:t>Thank</a:t>
             </a:r>
             <a:r>
               <a:rPr lang="en-US" altLang="zh-CN" sz="5400">
@@ -6920,7 +6851,7 @@
                   <a:schemeClr val="accent3"/>
                 </a:solidFill>
               </a:rPr>
-              <a:t> Break</a:t>
+              <a:t> You</a:t>
             </a:r>
             <a:r>
               <a:rPr lang="zh-CN" altLang="en-US" sz="5400">
@@ -6930,6 +6861,11 @@
               </a:rPr>
               <a:t>！</a:t>
             </a:r>
+            <a:endParaRPr lang="zh-CN" altLang="en-US" sz="5400">
+              <a:solidFill>
+                <a:schemeClr val="tx2"/>
+              </a:solidFill>
+            </a:endParaRPr>
           </a:p>
         </p:txBody>
       </p:sp>
@@ -6942,7 +6878,7 @@
           <p:nvPr/>
         </p:nvPicPr>
         <p:blipFill>
-          <a:blip r:embed="rId3" cstate="print">
+          <a:blip r:embed="rId2" cstate="print">
             <a:extLst>
               <a:ext uri="{28A0092B-C50C-407E-A947-70E740481C1C}">
                 <a14:useLocalDpi xmlns:a14="http://schemas.microsoft.com/office/drawing/2010/main" val="0"/>
@@ -7197,6 +7133,11 @@
               </a:rPr>
               <a:t>语法、表达式及语句综述</a:t>
             </a:r>
+            <a:endParaRPr lang="zh-CN" altLang="en-US" sz="2800" b="1">
+              <a:solidFill>
+                <a:srgbClr val="FF0000"/>
+              </a:solidFill>
+            </a:endParaRPr>
           </a:p>
           <a:p>
             <a:pPr algn="l">
@@ -7223,6 +7164,7 @@
               <a:rPr lang="zh-CN" altLang="en-US" sz="2800" b="1"/>
               <a:t>严格模式</a:t>
             </a:r>
+            <a:endParaRPr lang="zh-CN" altLang="en-US" sz="2800" b="1"/>
           </a:p>
           <a:p>
             <a:pPr algn="l">
@@ -7593,14 +7535,6 @@
               </a:rPr>
               <a:t>y:23};</a:t>
             </a:r>
-            <a:r>
-              <a:rPr lang="zh-CN" altLang="en-US" sz="2000" dirty="0">
-                <a:solidFill>
-                  <a:schemeClr val="tx1"/>
-                </a:solidFill>
-              </a:rPr>
-              <a:t/>
-            </a:r>
             <a:br>
               <a:rPr lang="zh-CN" altLang="en-US" sz="2000" dirty="0">
                 <a:solidFill>
@@ -7652,10 +7586,6 @@
               </a:rPr>
               <a:t>标识符与保留字</a:t>
             </a:r>
-            <a:r>
-              <a:rPr lang="zh-CN" altLang="en-US" sz="3200" dirty="0"/>
-              <a:t/>
-            </a:r>
             <a:br>
               <a:rPr lang="zh-CN" altLang="en-US" sz="3200" dirty="0"/>
             </a:br>
@@ -7695,15 +7625,6 @@
               </a:rPr>
               <a:t>为开始</a:t>
             </a:r>
-            <a:r>
-              <a:rPr lang="en-US" altLang="zh-CN" sz="2000" dirty="0">
-                <a:solidFill>
-                  <a:schemeClr val="tx1"/>
-                </a:solidFill>
-                <a:sym typeface="+mn-ea"/>
-              </a:rPr>
-              <a:t/>
-            </a:r>
             <a:br>
               <a:rPr lang="en-US" altLang="zh-CN" sz="2000" dirty="0">
                 <a:solidFill>
@@ -7856,6 +7777,12 @@
               </a:rPr>
               <a:t>）</a:t>
             </a:r>
+            <a:endParaRPr lang="zh-CN" altLang="en-US" sz="2000" dirty="0">
+              <a:solidFill>
+                <a:schemeClr val="tx1"/>
+              </a:solidFill>
+              <a:sym typeface="+mn-ea"/>
+            </a:endParaRPr>
           </a:p>
           <a:p>
             <a:pPr>
@@ -8058,6 +7985,12 @@
               </a:rPr>
               <a:t>；</a:t>
             </a:r>
+            <a:endParaRPr lang="zh-CN" altLang="en-US" sz="2000" dirty="0">
+              <a:solidFill>
+                <a:schemeClr val="tx1"/>
+              </a:solidFill>
+              <a:sym typeface="+mn-ea"/>
+            </a:endParaRPr>
           </a:p>
           <a:p>
             <a:pPr marL="168275" lvl="1" indent="0">
@@ -8173,6 +8106,13 @@
               </a:rPr>
               <a:t>语法二义性</a:t>
             </a:r>
+            <a:endParaRPr lang="zh-CN" altLang="en-US" sz="2200">
+              <a:solidFill>
+                <a:srgbClr val="FF0000"/>
+              </a:solidFill>
+              <a:latin typeface="+mn-ea"/>
+              <a:ea typeface="+mn-ea"/>
+            </a:endParaRPr>
           </a:p>
         </p:txBody>
       </p:sp>
@@ -8733,14 +8673,6 @@
               </a:rPr>
               <a:t>表达式</a:t>
             </a:r>
-            <a:r>
-              <a:rPr lang="en-US" altLang="zh-CN" sz="2000" dirty="0">
-                <a:solidFill>
-                  <a:schemeClr val="tx1"/>
-                </a:solidFill>
-              </a:rPr>
-              <a:t/>
-            </a:r>
             <a:br>
               <a:rPr lang="en-US" altLang="zh-CN" sz="2000" dirty="0">
                 <a:solidFill>
@@ -8773,6 +8705,11 @@
               </a:rPr>
               <a:t>算数表达式、关系表达式、逻辑表达式、赋值表达式</a:t>
             </a:r>
+            <a:endParaRPr lang="zh-CN" altLang="en-US" sz="2000" dirty="0">
+              <a:solidFill>
+                <a:schemeClr val="tx1"/>
+              </a:solidFill>
+            </a:endParaRPr>
           </a:p>
           <a:p>
             <a:pPr>
@@ -8789,15 +8726,6 @@
               </a:rPr>
               <a:t>语句及语句分类</a:t>
             </a:r>
-            <a:r>
-              <a:rPr lang="zh-CN" altLang="en-US" sz="2000" dirty="0">
-                <a:solidFill>
-                  <a:schemeClr val="tx1"/>
-                </a:solidFill>
-                <a:sym typeface="+mn-ea"/>
-              </a:rPr>
-              <a:t/>
-            </a:r>
             <a:br>
               <a:rPr lang="zh-CN" altLang="en-US" sz="2000" dirty="0">
                 <a:solidFill>
@@ -8896,6 +8824,12 @@
               </a:rPr>
               <a:t>）</a:t>
             </a:r>
+            <a:endParaRPr lang="zh-CN" altLang="en-US" sz="2000" dirty="0">
+              <a:solidFill>
+                <a:schemeClr val="tx1"/>
+              </a:solidFill>
+              <a:sym typeface="+mn-ea"/>
+            </a:endParaRPr>
           </a:p>
           <a:p>
             <a:pPr>
@@ -8943,6 +8877,11 @@
               </a:rPr>
               <a:t>，所以带来了很多问题）</a:t>
             </a:r>
+            <a:endParaRPr lang="zh-CN" altLang="en-US" sz="3200" dirty="0">
+              <a:solidFill>
+                <a:schemeClr val="tx1"/>
+              </a:solidFill>
+            </a:endParaRPr>
           </a:p>
           <a:p>
             <a:pPr marL="0" indent="0">
@@ -8951,14 +8890,6 @@
               </a:lnSpc>
               <a:buNone/>
             </a:pPr>
-            <a:r>
-              <a:rPr lang="zh-CN" altLang="en-US" sz="3200" dirty="0">
-                <a:solidFill>
-                  <a:schemeClr val="tx1"/>
-                </a:solidFill>
-              </a:rPr>
-              <a:t/>
-            </a:r>
             <a:br>
               <a:rPr lang="zh-CN" altLang="en-US" sz="3200" dirty="0">
                 <a:solidFill>
@@ -9032,6 +8963,9 @@
               </a:rPr>
               <a:t>语法、表达式及语句综述</a:t>
             </a:r>
+            <a:endParaRPr lang="zh-CN" altLang="en-US" dirty="0" smtClean="0">
+              <a:sym typeface="+mn-ea"/>
+            </a:endParaRPr>
           </a:p>
         </p:txBody>
       </p:sp>
@@ -9044,7 +8978,7 @@
           <p:nvPr/>
         </p:nvPicPr>
         <p:blipFill>
-          <a:blip r:embed="rId3"/>
+          <a:blip r:embed="rId1"/>
           <a:stretch>
             <a:fillRect/>
           </a:stretch>
@@ -9068,7 +9002,7 @@
           <p:nvPr/>
         </p:nvPicPr>
         <p:blipFill>
-          <a:blip r:embed="rId4"/>
+          <a:blip r:embed="rId2"/>
           <a:stretch>
             <a:fillRect/>
           </a:stretch>
@@ -9092,7 +9026,7 @@
           <p:nvPr/>
         </p:nvPicPr>
         <p:blipFill>
-          <a:blip r:embed="rId5"/>
+          <a:blip r:embed="rId3"/>
           <a:stretch>
             <a:fillRect/>
           </a:stretch>
@@ -9170,6 +9104,13 @@
               </a:rPr>
               <a:t>Part2 </a:t>
             </a:r>
+            <a:endParaRPr lang="en-US" altLang="zh-CN" sz="2200">
+              <a:solidFill>
+                <a:srgbClr val="FF0000"/>
+              </a:solidFill>
+              <a:latin typeface="+mn-ea"/>
+              <a:ea typeface="+mn-ea"/>
+            </a:endParaRPr>
           </a:p>
         </p:txBody>
       </p:sp>
@@ -9226,6 +9167,13 @@
               </a:rPr>
               <a:t>中关于块的实例</a:t>
             </a:r>
+            <a:endParaRPr lang="zh-CN" altLang="en-US" sz="2200">
+              <a:solidFill>
+                <a:srgbClr val="FF0000"/>
+              </a:solidFill>
+              <a:latin typeface="+mn-ea"/>
+              <a:ea typeface="+mn-ea"/>
+            </a:endParaRPr>
           </a:p>
         </p:txBody>
       </p:sp>
@@ -10151,6 +10099,12 @@
               </a:rPr>
               <a:t>语法、表达式及语句综述</a:t>
             </a:r>
+            <a:endParaRPr lang="zh-CN" altLang="en-US" sz="2800" b="1">
+              <a:solidFill>
+                <a:schemeClr val="tx1"/>
+              </a:solidFill>
+              <a:sym typeface="+mn-ea"/>
+            </a:endParaRPr>
           </a:p>
           <a:p>
             <a:pPr algn="l">
@@ -10185,6 +10139,11 @@
               </a:rPr>
               <a:t>严格模式</a:t>
             </a:r>
+            <a:endParaRPr lang="zh-CN" altLang="en-US" sz="2800" b="1">
+              <a:solidFill>
+                <a:srgbClr val="FF0000"/>
+              </a:solidFill>
+            </a:endParaRPr>
           </a:p>
           <a:p>
             <a:pPr algn="l">
@@ -10230,6 +10189,12 @@
               </a:rPr>
               <a:t>for...in</a:t>
             </a:r>
+            <a:endParaRPr lang="en-US" altLang="zh-CN" sz="2800" b="1">
+              <a:solidFill>
+                <a:schemeClr val="tx1"/>
+              </a:solidFill>
+              <a:sym typeface="+mn-ea"/>
+            </a:endParaRPr>
           </a:p>
         </p:txBody>
       </p:sp>
@@ -10547,6 +10512,11 @@
               </a:rPr>
               <a:t>严格模式和非严格模式（松散模式）</a:t>
             </a:r>
+            <a:endParaRPr lang="zh-CN" altLang="en-US" sz="2000" dirty="0">
+              <a:solidFill>
+                <a:schemeClr val="tx1"/>
+              </a:solidFill>
+            </a:endParaRPr>
           </a:p>
           <a:p>
             <a:pPr>
@@ -10562,10 +10532,6 @@
               </a:rPr>
               <a:t>严格模式的目的</a:t>
             </a:r>
-            <a:r>
-              <a:rPr lang="zh-CN" altLang="en-US" sz="3200" dirty="0"/>
-              <a:t/>
-            </a:r>
             <a:br>
               <a:rPr lang="zh-CN" altLang="en-US" sz="3200" dirty="0"/>
             </a:br>
@@ -10578,15 +10544,6 @@
               </a:rPr>
               <a:t>- 消除Javascript语法的一些不合理、不严谨之处，减少一些怪异行为</a:t>
             </a:r>
-            <a:r>
-              <a:rPr lang="zh-CN" altLang="en-US" sz="2000" dirty="0">
-                <a:solidFill>
-                  <a:schemeClr val="tx1"/>
-                </a:solidFill>
-                <a:sym typeface="+mn-ea"/>
-              </a:rPr>
-              <a:t/>
-            </a:r>
             <a:br>
               <a:rPr lang="zh-CN" altLang="en-US" sz="2000" dirty="0">
                 <a:solidFill>
@@ -10621,6 +10578,12 @@
               </a:rPr>
               <a:t>- 提高编译器效率，增加运行速度</a:t>
             </a:r>
+            <a:endParaRPr lang="en-US" altLang="zh-CN" sz="2000" dirty="0">
+              <a:solidFill>
+                <a:schemeClr val="tx1"/>
+              </a:solidFill>
+              <a:sym typeface="+mn-ea"/>
+            </a:endParaRPr>
           </a:p>
           <a:p>
             <a:pPr>
@@ -10828,6 +10791,13 @@
               </a:rPr>
               <a:t>使用严格模式的不同方式</a:t>
             </a:r>
+            <a:endParaRPr lang="zh-CN" altLang="en-US" sz="2200">
+              <a:solidFill>
+                <a:srgbClr val="FF0000"/>
+              </a:solidFill>
+              <a:latin typeface="+mn-ea"/>
+              <a:ea typeface="+mn-ea"/>
+            </a:endParaRPr>
           </a:p>
         </p:txBody>
       </p:sp>
@@ -11331,14 +11301,6 @@
               </a:rPr>
               <a:t>全局变量需显式声明</a:t>
             </a:r>
-            <a:r>
-              <a:rPr lang="zh-CN" altLang="en-US" sz="3200" dirty="0">
-                <a:solidFill>
-                  <a:schemeClr val="tx1"/>
-                </a:solidFill>
-              </a:rPr>
-              <a:t/>
-            </a:r>
             <a:br>
               <a:rPr lang="zh-CN" altLang="en-US" sz="3200" dirty="0">
                 <a:solidFill>
@@ -11483,6 +11445,13 @@
               </a:rPr>
               <a:t>demo05</a:t>
             </a:r>
+            <a:endParaRPr lang="en-US" altLang="zh-CN" sz="2200">
+              <a:solidFill>
+                <a:srgbClr val="FF0000"/>
+              </a:solidFill>
+              <a:latin typeface="+mn-ea"/>
+              <a:ea typeface="+mn-ea"/>
+            </a:endParaRPr>
           </a:p>
         </p:txBody>
       </p:sp>
@@ -11495,7 +11464,7 @@
           <p:nvPr/>
         </p:nvPicPr>
         <p:blipFill>
-          <a:blip r:embed="rId3"/>
+          <a:blip r:embed="rId1"/>
           <a:srcRect l="9025" r="3427"/>
           <a:stretch>
             <a:fillRect/>
@@ -11520,7 +11489,7 @@
           <p:nvPr/>
         </p:nvPicPr>
         <p:blipFill>
-          <a:blip r:embed="rId4"/>
+          <a:blip r:embed="rId2"/>
           <a:srcRect r="27275"/>
           <a:stretch>
             <a:fillRect/>
@@ -11798,6 +11767,13 @@
               </a:rPr>
               <a:t>全局变量</a:t>
             </a:r>
+            <a:endParaRPr lang="zh-CN" altLang="en-US" dirty="0" smtClean="0">
+              <a:solidFill>
+                <a:schemeClr val="accent3"/>
+              </a:solidFill>
+              <a:latin typeface="微软雅黑" panose="020B0503020204020204" pitchFamily="34" charset="-122"/>
+              <a:ea typeface="微软雅黑" panose="020B0503020204020204" pitchFamily="34" charset="-122"/>
+            </a:endParaRPr>
           </a:p>
           <a:p>
             <a:pPr>
@@ -11898,16 +11874,6 @@
                 <a:ea typeface="微软雅黑" panose="020B0503020204020204" pitchFamily="34" charset="-122"/>
               </a:rPr>
             </a:br>
-            <a:r>
-              <a:rPr lang="zh-CN" altLang="en-US" dirty="0" smtClean="0">
-                <a:solidFill>
-                  <a:srgbClr val="000000"/>
-                </a:solidFill>
-                <a:latin typeface="微软雅黑" panose="020B0503020204020204" pitchFamily="34" charset="-122"/>
-                <a:ea typeface="微软雅黑" panose="020B0503020204020204" pitchFamily="34" charset="-122"/>
-              </a:rPr>
-              <a:t/>
-            </a:r>
             <a:br>
               <a:rPr lang="zh-CN" altLang="en-US" dirty="0" smtClean="0">
                 <a:solidFill>
@@ -11984,6 +11950,12 @@
               </a:rPr>
               <a:t>）</a:t>
             </a:r>
+            <a:endParaRPr lang="zh-CN" altLang="en-US" b="0" dirty="0" smtClean="0">
+              <a:solidFill>
+                <a:srgbClr val="C00000"/>
+              </a:solidFill>
+              <a:sym typeface="+mn-ea"/>
+            </a:endParaRPr>
           </a:p>
         </p:txBody>
       </p:sp>
@@ -11996,7 +11968,7 @@
           <p:nvPr/>
         </p:nvPicPr>
         <p:blipFill>
-          <a:blip r:embed="rId3"/>
+          <a:blip r:embed="rId1"/>
           <a:stretch>
             <a:fillRect/>
           </a:stretch>
@@ -12020,7 +11992,7 @@
           <p:nvPr/>
         </p:nvPicPr>
         <p:blipFill>
-          <a:blip r:embed="rId4"/>
+          <a:blip r:embed="rId2"/>
           <a:stretch>
             <a:fillRect/>
           </a:stretch>
@@ -12098,6 +12070,13 @@
               </a:rPr>
               <a:t>this</a:t>
             </a:r>
+            <a:endParaRPr lang="en-US" altLang="zh-CN" sz="2200">
+              <a:solidFill>
+                <a:srgbClr val="FF0000"/>
+              </a:solidFill>
+              <a:latin typeface="+mn-ea"/>
+              <a:ea typeface="+mn-ea"/>
+            </a:endParaRPr>
           </a:p>
         </p:txBody>
       </p:sp>
@@ -12681,6 +12660,12 @@
               </a:rPr>
               <a:t>未定义的变量</a:t>
             </a:r>
+            <a:endParaRPr lang="zh-CN" sz="3200" dirty="0">
+              <a:solidFill>
+                <a:schemeClr val="accent3"/>
+              </a:solidFill>
+              <a:sym typeface="+mn-ea"/>
+            </a:endParaRPr>
           </a:p>
           <a:p>
             <a:pPr>
@@ -12836,6 +12821,9 @@
               </a:rPr>
               <a:t>三（属性、变量及函数参数）</a:t>
             </a:r>
+            <a:endParaRPr lang="zh-CN" altLang="en-US" dirty="0" smtClean="0">
+              <a:sym typeface="+mn-ea"/>
+            </a:endParaRPr>
           </a:p>
         </p:txBody>
       </p:sp>
@@ -12848,7 +12836,7 @@
           <p:nvPr/>
         </p:nvPicPr>
         <p:blipFill>
-          <a:blip r:embed="rId3"/>
+          <a:blip r:embed="rId1"/>
           <a:stretch>
             <a:fillRect/>
           </a:stretch>
@@ -12872,7 +12860,7 @@
           <p:nvPr/>
         </p:nvPicPr>
         <p:blipFill>
-          <a:blip r:embed="rId4"/>
+          <a:blip r:embed="rId2"/>
           <a:stretch>
             <a:fillRect/>
           </a:stretch>
@@ -12896,7 +12884,7 @@
           <p:nvPr/>
         </p:nvPicPr>
         <p:blipFill>
-          <a:blip r:embed="rId5"/>
+          <a:blip r:embed="rId3"/>
           <a:stretch>
             <a:fillRect/>
           </a:stretch>
@@ -12920,7 +12908,7 @@
           <p:nvPr/>
         </p:nvPicPr>
         <p:blipFill>
-          <a:blip r:embed="rId6"/>
+          <a:blip r:embed="rId4"/>
           <a:stretch>
             <a:fillRect/>
           </a:stretch>
@@ -12988,6 +12976,13 @@
               </a:rPr>
               <a:t>查看更多严格模式案例</a:t>
             </a:r>
+            <a:endParaRPr lang="zh-CN" altLang="en-US" sz="2200">
+              <a:solidFill>
+                <a:srgbClr val="FF0000"/>
+              </a:solidFill>
+              <a:latin typeface="+mn-ea"/>
+              <a:ea typeface="+mn-ea"/>
+            </a:endParaRPr>
           </a:p>
         </p:txBody>
       </p:sp>
@@ -13991,10 +13986,9 @@
       </a:lstStyle>
     </a:lnDef>
   </a:objectDefaults>
-  <a:extraClrSchemeLst/>
   <a:extLst>
     <a:ext uri="{05A4C25C-085E-4340-85A3-A5531E510DB2}">
-      <thm15:themeFamily xmlns="" xmlns:thm15="http://schemas.microsoft.com/office/thememl/2012/main" name="Office Theme" id="{62F939B6-93AF-4DB8-9C6B-D6C7DFDC589F}" vid="{4A3C46E8-61CC-4603-A589-7422A47A8E4A}"/>
+      <thm15:themeFamily xmlns:thm15="http://schemas.microsoft.com/office/thememl/2012/main" name="Office Theme" id="{62F939B6-93AF-4DB8-9C6B-D6C7DFDC589F}" vid="{4A3C46E8-61CC-4603-A589-7422A47A8E4A}"/>
     </a:ext>
   </a:extLst>
 </a:theme>
@@ -14278,11 +14272,9 @@
       </a:bgFillStyleLst>
     </a:fmtScheme>
   </a:themeElements>
-  <a:objectDefaults/>
-  <a:extraClrSchemeLst/>
   <a:extLst>
     <a:ext uri="{05A4C25C-085E-4340-85A3-A5531E510DB2}">
-      <thm15:themeFamily xmlns="" xmlns:thm15="http://schemas.microsoft.com/office/thememl/2012/main" name="Office Theme" id="{62F939B6-93AF-4DB8-9C6B-D6C7DFDC589F}" vid="{4A3C46E8-61CC-4603-A589-7422A47A8E4A}"/>
+      <thm15:themeFamily xmlns:thm15="http://schemas.microsoft.com/office/thememl/2012/main" name="Office Theme" id="{62F939B6-93AF-4DB8-9C6B-D6C7DFDC589F}" vid="{4A3C46E8-61CC-4603-A589-7422A47A8E4A}"/>
     </a:ext>
   </a:extLst>
 </a:theme>

--- a/课程PPT/04.JS语法、表达式及语句.pptx
+++ b/课程PPT/04.JS语法、表达式及语句.pptx
@@ -4394,7 +4394,7 @@
                 </a:solidFill>
                 <a:sym typeface="+mn-ea"/>
               </a:rPr>
-              <a:t>比较,因此不会发生类型转换</a:t>
+              <a:t>比较,因此不会发生隐式类型转换</a:t>
             </a:r>
             <a:br>
               <a:rPr lang="zh-CN" sz="2000" dirty="0">
